--- a/computer/cipher/cipher.pptx
+++ b/computer/cipher/cipher.pptx
@@ -5,7 +5,7 @@
     <p:sldMasterId id="2147483648" r:id="rId1"/>
   </p:sldMasterIdLst>
   <p:notesMasterIdLst>
-    <p:notesMasterId r:id="rId24"/>
+    <p:notesMasterId r:id="rId25"/>
   </p:notesMasterIdLst>
   <p:sldIdLst>
     <p:sldId id="256" r:id="rId2"/>
@@ -30,6 +30,7 @@
     <p:sldId id="275" r:id="rId21"/>
     <p:sldId id="276" r:id="rId22"/>
     <p:sldId id="277" r:id="rId23"/>
+    <p:sldId id="278" r:id="rId24"/>
   </p:sldIdLst>
   <p:sldSz cx="12192000" cy="6858000"/>
   <p:notesSz cx="6858000" cy="9144000"/>
@@ -18904,7 +18905,7 @@
           <a:p>
             <a:fld id="{88ADBB56-8795-544A-9484-7A689C82CE23}" type="datetimeFigureOut">
               <a:rPr kumimoji="1" lang="zh-CN" altLang="en-US" smtClean="0"/>
-              <a:t>2025/10/25</a:t>
+              <a:t>2025/11/2</a:t>
             </a:fld>
             <a:endParaRPr kumimoji="1" lang="zh-CN" altLang="en-US"/>
           </a:p>
@@ -19570,7 +19571,7 @@
           <a:p>
             <a:fld id="{B3483C3F-292B-E745-B447-77595BC9440B}" type="datetimeFigureOut">
               <a:rPr kumimoji="1" lang="zh-CN" altLang="en-US" smtClean="0"/>
-              <a:t>2025/10/25</a:t>
+              <a:t>2025/11/2</a:t>
             </a:fld>
             <a:endParaRPr kumimoji="1" lang="zh-CN" altLang="en-US"/>
           </a:p>
@@ -19768,7 +19769,7 @@
           <a:p>
             <a:fld id="{B3483C3F-292B-E745-B447-77595BC9440B}" type="datetimeFigureOut">
               <a:rPr kumimoji="1" lang="zh-CN" altLang="en-US" smtClean="0"/>
-              <a:t>2025/10/25</a:t>
+              <a:t>2025/11/2</a:t>
             </a:fld>
             <a:endParaRPr kumimoji="1" lang="zh-CN" altLang="en-US"/>
           </a:p>
@@ -19976,7 +19977,7 @@
           <a:p>
             <a:fld id="{B3483C3F-292B-E745-B447-77595BC9440B}" type="datetimeFigureOut">
               <a:rPr kumimoji="1" lang="zh-CN" altLang="en-US" smtClean="0"/>
-              <a:t>2025/10/25</a:t>
+              <a:t>2025/11/2</a:t>
             </a:fld>
             <a:endParaRPr kumimoji="1" lang="zh-CN" altLang="en-US"/>
           </a:p>
@@ -20174,7 +20175,7 @@
           <a:p>
             <a:fld id="{B3483C3F-292B-E745-B447-77595BC9440B}" type="datetimeFigureOut">
               <a:rPr kumimoji="1" lang="zh-CN" altLang="en-US" smtClean="0"/>
-              <a:t>2025/10/25</a:t>
+              <a:t>2025/11/2</a:t>
             </a:fld>
             <a:endParaRPr kumimoji="1" lang="zh-CN" altLang="en-US"/>
           </a:p>
@@ -20449,7 +20450,7 @@
           <a:p>
             <a:fld id="{B3483C3F-292B-E745-B447-77595BC9440B}" type="datetimeFigureOut">
               <a:rPr kumimoji="1" lang="zh-CN" altLang="en-US" smtClean="0"/>
-              <a:t>2025/10/25</a:t>
+              <a:t>2025/11/2</a:t>
             </a:fld>
             <a:endParaRPr kumimoji="1" lang="zh-CN" altLang="en-US"/>
           </a:p>
@@ -20714,7 +20715,7 @@
           <a:p>
             <a:fld id="{B3483C3F-292B-E745-B447-77595BC9440B}" type="datetimeFigureOut">
               <a:rPr kumimoji="1" lang="zh-CN" altLang="en-US" smtClean="0"/>
-              <a:t>2025/10/25</a:t>
+              <a:t>2025/11/2</a:t>
             </a:fld>
             <a:endParaRPr kumimoji="1" lang="zh-CN" altLang="en-US"/>
           </a:p>
@@ -21126,7 +21127,7 @@
           <a:p>
             <a:fld id="{B3483C3F-292B-E745-B447-77595BC9440B}" type="datetimeFigureOut">
               <a:rPr kumimoji="1" lang="zh-CN" altLang="en-US" smtClean="0"/>
-              <a:t>2025/10/25</a:t>
+              <a:t>2025/11/2</a:t>
             </a:fld>
             <a:endParaRPr kumimoji="1" lang="zh-CN" altLang="en-US"/>
           </a:p>
@@ -21267,7 +21268,7 @@
           <a:p>
             <a:fld id="{B3483C3F-292B-E745-B447-77595BC9440B}" type="datetimeFigureOut">
               <a:rPr kumimoji="1" lang="zh-CN" altLang="en-US" smtClean="0"/>
-              <a:t>2025/10/25</a:t>
+              <a:t>2025/11/2</a:t>
             </a:fld>
             <a:endParaRPr kumimoji="1" lang="zh-CN" altLang="en-US"/>
           </a:p>
@@ -21380,7 +21381,7 @@
           <a:p>
             <a:fld id="{B3483C3F-292B-E745-B447-77595BC9440B}" type="datetimeFigureOut">
               <a:rPr kumimoji="1" lang="zh-CN" altLang="en-US" smtClean="0"/>
-              <a:t>2025/10/25</a:t>
+              <a:t>2025/11/2</a:t>
             </a:fld>
             <a:endParaRPr kumimoji="1" lang="zh-CN" altLang="en-US"/>
           </a:p>
@@ -21691,7 +21692,7 @@
           <a:p>
             <a:fld id="{B3483C3F-292B-E745-B447-77595BC9440B}" type="datetimeFigureOut">
               <a:rPr kumimoji="1" lang="zh-CN" altLang="en-US" smtClean="0"/>
-              <a:t>2025/10/25</a:t>
+              <a:t>2025/11/2</a:t>
             </a:fld>
             <a:endParaRPr kumimoji="1" lang="zh-CN" altLang="en-US"/>
           </a:p>
@@ -21979,7 +21980,7 @@
           <a:p>
             <a:fld id="{B3483C3F-292B-E745-B447-77595BC9440B}" type="datetimeFigureOut">
               <a:rPr kumimoji="1" lang="zh-CN" altLang="en-US" smtClean="0"/>
-              <a:t>2025/10/25</a:t>
+              <a:t>2025/11/2</a:t>
             </a:fld>
             <a:endParaRPr kumimoji="1" lang="zh-CN" altLang="en-US"/>
           </a:p>
@@ -22220,7 +22221,7 @@
           <a:p>
             <a:fld id="{B3483C3F-292B-E745-B447-77595BC9440B}" type="datetimeFigureOut">
               <a:rPr kumimoji="1" lang="zh-CN" altLang="en-US" smtClean="0"/>
-              <a:t>2025/10/25</a:t>
+              <a:t>2025/11/2</a:t>
             </a:fld>
             <a:endParaRPr kumimoji="1" lang="zh-CN" altLang="en-US"/>
           </a:p>
@@ -31158,6 +31159,378 @@
 </p:sld>
 </file>
 
+<file path=ppt/slides/slide23.xml><?xml version="1.0" encoding="utf-8"?>
+<p:sld xmlns:a="http://schemas.openxmlformats.org/drawingml/2006/main" xmlns:r="http://schemas.openxmlformats.org/officeDocument/2006/relationships" xmlns:p="http://schemas.openxmlformats.org/presentationml/2006/main">
+  <p:cSld>
+    <p:spTree>
+      <p:nvGrpSpPr>
+        <p:cNvPr id="1" name=""/>
+        <p:cNvGrpSpPr/>
+        <p:nvPr/>
+      </p:nvGrpSpPr>
+      <p:grpSpPr>
+        <a:xfrm>
+          <a:off x="0" y="0"/>
+          <a:ext cx="0" cy="0"/>
+          <a:chOff x="0" y="0"/>
+          <a:chExt cx="0" cy="0"/>
+        </a:xfrm>
+      </p:grpSpPr>
+      <p:grpSp>
+        <p:nvGrpSpPr>
+          <p:cNvPr id="18" name="组合 17">
+            <a:extLst>
+              <a:ext uri="{FF2B5EF4-FFF2-40B4-BE49-F238E27FC236}">
+                <a16:creationId xmlns:a16="http://schemas.microsoft.com/office/drawing/2014/main" id="{61291B93-2367-74B5-66D9-5739198B039D}"/>
+              </a:ext>
+            </a:extLst>
+          </p:cNvPr>
+          <p:cNvGrpSpPr/>
+          <p:nvPr/>
+        </p:nvGrpSpPr>
+        <p:grpSpPr>
+          <a:xfrm>
+            <a:off x="513708" y="1890445"/>
+            <a:ext cx="3501776" cy="2057743"/>
+            <a:chOff x="513708" y="1890445"/>
+            <a:chExt cx="3501776" cy="2057743"/>
+          </a:xfrm>
+        </p:grpSpPr>
+        <p:sp>
+          <p:nvSpPr>
+            <p:cNvPr id="4" name="矩形 3">
+              <a:extLst>
+                <a:ext uri="{FF2B5EF4-FFF2-40B4-BE49-F238E27FC236}">
+                  <a16:creationId xmlns:a16="http://schemas.microsoft.com/office/drawing/2014/main" id="{B88799F8-D26F-6AF4-53F4-8BF0AF020EB8}"/>
+                </a:ext>
+              </a:extLst>
+            </p:cNvPr>
+            <p:cNvSpPr/>
+            <p:nvPr/>
+          </p:nvSpPr>
+          <p:spPr>
+            <a:xfrm>
+              <a:off x="1746607" y="3000054"/>
+              <a:ext cx="965771" cy="603607"/>
+            </a:xfrm>
+            <a:prstGeom prst="rect">
+              <a:avLst/>
+            </a:prstGeom>
+          </p:spPr>
+          <p:style>
+            <a:lnRef idx="3">
+              <a:schemeClr val="lt1"/>
+            </a:lnRef>
+            <a:fillRef idx="1">
+              <a:schemeClr val="accent6"/>
+            </a:fillRef>
+            <a:effectRef idx="1">
+              <a:schemeClr val="accent6"/>
+            </a:effectRef>
+            <a:fontRef idx="minor">
+              <a:schemeClr val="lt1"/>
+            </a:fontRef>
+          </p:style>
+          <p:txBody>
+            <a:bodyPr rtlCol="0" anchor="ctr"/>
+            <a:lstStyle/>
+            <a:p>
+              <a:pPr algn="ctr"/>
+              <a:r>
+                <a:rPr kumimoji="1" lang="en-US" altLang="zh-CN" sz="2400" b="1" dirty="0">
+                  <a:latin typeface="Microsoft YaHei" panose="020B0503020204020204" pitchFamily="34" charset="-122"/>
+                  <a:ea typeface="Microsoft YaHei" panose="020B0503020204020204" pitchFamily="34" charset="-122"/>
+                </a:rPr>
+                <a:t>DES</a:t>
+              </a:r>
+              <a:endParaRPr kumimoji="1" lang="zh-CN" altLang="en-US" sz="2400" b="1" dirty="0">
+                <a:latin typeface="Microsoft YaHei" panose="020B0503020204020204" pitchFamily="34" charset="-122"/>
+                <a:ea typeface="Microsoft YaHei" panose="020B0503020204020204" pitchFamily="34" charset="-122"/>
+              </a:endParaRPr>
+            </a:p>
+          </p:txBody>
+        </p:sp>
+        <p:cxnSp>
+          <p:nvCxnSpPr>
+            <p:cNvPr id="6" name="直线箭头连接符 5">
+              <a:extLst>
+                <a:ext uri="{FF2B5EF4-FFF2-40B4-BE49-F238E27FC236}">
+                  <a16:creationId xmlns:a16="http://schemas.microsoft.com/office/drawing/2014/main" id="{346AA3BB-FB8A-1D9F-1834-37B4D3A9792D}"/>
+                </a:ext>
+              </a:extLst>
+            </p:cNvPr>
+            <p:cNvCxnSpPr>
+              <a:cxnSpLocks/>
+              <a:endCxn id="4" idx="0"/>
+            </p:cNvCxnSpPr>
+            <p:nvPr/>
+          </p:nvCxnSpPr>
+          <p:spPr>
+            <a:xfrm>
+              <a:off x="2229492" y="1890445"/>
+              <a:ext cx="1" cy="1109609"/>
+            </a:xfrm>
+            <a:prstGeom prst="straightConnector1">
+              <a:avLst/>
+            </a:prstGeom>
+            <a:ln w="19050">
+              <a:solidFill>
+                <a:schemeClr val="accent6">
+                  <a:lumMod val="75000"/>
+                </a:schemeClr>
+              </a:solidFill>
+              <a:tailEnd type="triangle"/>
+            </a:ln>
+          </p:spPr>
+          <p:style>
+            <a:lnRef idx="1">
+              <a:schemeClr val="accent1"/>
+            </a:lnRef>
+            <a:fillRef idx="0">
+              <a:schemeClr val="accent1"/>
+            </a:fillRef>
+            <a:effectRef idx="0">
+              <a:schemeClr val="accent1"/>
+            </a:effectRef>
+            <a:fontRef idx="minor">
+              <a:schemeClr val="tx1"/>
+            </a:fontRef>
+          </p:style>
+        </p:cxnSp>
+        <p:cxnSp>
+          <p:nvCxnSpPr>
+            <p:cNvPr id="8" name="直线箭头连接符 7">
+              <a:extLst>
+                <a:ext uri="{FF2B5EF4-FFF2-40B4-BE49-F238E27FC236}">
+                  <a16:creationId xmlns:a16="http://schemas.microsoft.com/office/drawing/2014/main" id="{75BD9060-28C1-2A96-933F-6624C988C55B}"/>
+                </a:ext>
+              </a:extLst>
+            </p:cNvPr>
+            <p:cNvCxnSpPr>
+              <a:cxnSpLocks/>
+              <a:endCxn id="4" idx="1"/>
+            </p:cNvCxnSpPr>
+            <p:nvPr/>
+          </p:nvCxnSpPr>
+          <p:spPr>
+            <a:xfrm>
+              <a:off x="513708" y="3301858"/>
+              <a:ext cx="1232899" cy="0"/>
+            </a:xfrm>
+            <a:prstGeom prst="straightConnector1">
+              <a:avLst/>
+            </a:prstGeom>
+            <a:ln w="19050">
+              <a:solidFill>
+                <a:schemeClr val="accent6">
+                  <a:lumMod val="75000"/>
+                </a:schemeClr>
+              </a:solidFill>
+              <a:tailEnd type="triangle"/>
+            </a:ln>
+          </p:spPr>
+          <p:style>
+            <a:lnRef idx="1">
+              <a:schemeClr val="accent1"/>
+            </a:lnRef>
+            <a:fillRef idx="0">
+              <a:schemeClr val="accent1"/>
+            </a:fillRef>
+            <a:effectRef idx="0">
+              <a:schemeClr val="accent1"/>
+            </a:effectRef>
+            <a:fontRef idx="minor">
+              <a:schemeClr val="tx1"/>
+            </a:fontRef>
+          </p:style>
+        </p:cxnSp>
+        <p:cxnSp>
+          <p:nvCxnSpPr>
+            <p:cNvPr id="12" name="直线箭头连接符 11">
+              <a:extLst>
+                <a:ext uri="{FF2B5EF4-FFF2-40B4-BE49-F238E27FC236}">
+                  <a16:creationId xmlns:a16="http://schemas.microsoft.com/office/drawing/2014/main" id="{1E39F766-053E-1453-B1BB-DFD268DD98CF}"/>
+                </a:ext>
+              </a:extLst>
+            </p:cNvPr>
+            <p:cNvCxnSpPr>
+              <a:cxnSpLocks/>
+              <a:stCxn id="4" idx="3"/>
+            </p:cNvCxnSpPr>
+            <p:nvPr/>
+          </p:nvCxnSpPr>
+          <p:spPr>
+            <a:xfrm flipV="1">
+              <a:off x="2712378" y="3281951"/>
+              <a:ext cx="1303106" cy="19907"/>
+            </a:xfrm>
+            <a:prstGeom prst="straightConnector1">
+              <a:avLst/>
+            </a:prstGeom>
+            <a:ln w="19050">
+              <a:solidFill>
+                <a:schemeClr val="accent6">
+                  <a:lumMod val="75000"/>
+                </a:schemeClr>
+              </a:solidFill>
+              <a:tailEnd type="triangle"/>
+            </a:ln>
+          </p:spPr>
+          <p:style>
+            <a:lnRef idx="1">
+              <a:schemeClr val="accent1"/>
+            </a:lnRef>
+            <a:fillRef idx="0">
+              <a:schemeClr val="accent1"/>
+            </a:fillRef>
+            <a:effectRef idx="0">
+              <a:schemeClr val="accent1"/>
+            </a:effectRef>
+            <a:fontRef idx="minor">
+              <a:schemeClr val="tx1"/>
+            </a:fontRef>
+          </p:style>
+        </p:cxnSp>
+        <p:sp>
+          <p:nvSpPr>
+            <p:cNvPr id="14" name="文本框 13">
+              <a:extLst>
+                <a:ext uri="{FF2B5EF4-FFF2-40B4-BE49-F238E27FC236}">
+                  <a16:creationId xmlns:a16="http://schemas.microsoft.com/office/drawing/2014/main" id="{246C705F-5FE7-8F7A-8E54-3F1AEB1604EC}"/>
+                </a:ext>
+              </a:extLst>
+            </p:cNvPr>
+            <p:cNvSpPr txBox="1"/>
+            <p:nvPr/>
+          </p:nvSpPr>
+          <p:spPr>
+            <a:xfrm>
+              <a:off x="2192456" y="2137966"/>
+              <a:ext cx="780983" cy="646331"/>
+            </a:xfrm>
+            <a:prstGeom prst="rect">
+              <a:avLst/>
+            </a:prstGeom>
+            <a:noFill/>
+          </p:spPr>
+          <p:txBody>
+            <a:bodyPr wrap="none" rtlCol="0">
+              <a:spAutoFit/>
+            </a:bodyPr>
+            <a:lstStyle/>
+            <a:p>
+              <a:r>
+                <a:rPr kumimoji="1" lang="en-US" altLang="zh-CN" dirty="0"/>
+                <a:t>56bits</a:t>
+              </a:r>
+            </a:p>
+            <a:p>
+              <a:r>
+                <a:rPr kumimoji="1" lang="en-US" altLang="zh-CN" dirty="0"/>
+                <a:t>key</a:t>
+              </a:r>
+              <a:endParaRPr kumimoji="1" lang="zh-CN" altLang="en-US" dirty="0"/>
+            </a:p>
+          </p:txBody>
+        </p:sp>
+        <p:sp>
+          <p:nvSpPr>
+            <p:cNvPr id="15" name="文本框 14">
+              <a:extLst>
+                <a:ext uri="{FF2B5EF4-FFF2-40B4-BE49-F238E27FC236}">
+                  <a16:creationId xmlns:a16="http://schemas.microsoft.com/office/drawing/2014/main" id="{B5968B4D-252F-FCDE-E8DB-D118EBEF8F6F}"/>
+                </a:ext>
+              </a:extLst>
+            </p:cNvPr>
+            <p:cNvSpPr txBox="1"/>
+            <p:nvPr/>
+          </p:nvSpPr>
+          <p:spPr>
+            <a:xfrm>
+              <a:off x="635226" y="2623339"/>
+              <a:ext cx="1023037" cy="646331"/>
+            </a:xfrm>
+            <a:prstGeom prst="rect">
+              <a:avLst/>
+            </a:prstGeom>
+            <a:noFill/>
+          </p:spPr>
+          <p:txBody>
+            <a:bodyPr wrap="none" rtlCol="0">
+              <a:spAutoFit/>
+            </a:bodyPr>
+            <a:lstStyle/>
+            <a:p>
+              <a:r>
+                <a:rPr kumimoji="1" lang="en-US" altLang="zh-CN" dirty="0"/>
+                <a:t>64bits</a:t>
+              </a:r>
+            </a:p>
+            <a:p>
+              <a:r>
+                <a:rPr kumimoji="1" lang="en-US" altLang="zh-CN" dirty="0"/>
+                <a:t>Plaintext</a:t>
+              </a:r>
+              <a:endParaRPr kumimoji="1" lang="zh-CN" altLang="en-US" dirty="0"/>
+            </a:p>
+          </p:txBody>
+        </p:sp>
+        <p:sp>
+          <p:nvSpPr>
+            <p:cNvPr id="17" name="文本框 16">
+              <a:extLst>
+                <a:ext uri="{FF2B5EF4-FFF2-40B4-BE49-F238E27FC236}">
+                  <a16:creationId xmlns:a16="http://schemas.microsoft.com/office/drawing/2014/main" id="{7DA51F68-3561-7CE6-3FB3-2015D5EC5B5F}"/>
+                </a:ext>
+              </a:extLst>
+            </p:cNvPr>
+            <p:cNvSpPr txBox="1"/>
+            <p:nvPr/>
+          </p:nvSpPr>
+          <p:spPr>
+            <a:xfrm>
+              <a:off x="2742704" y="3301857"/>
+              <a:ext cx="1202573" cy="646331"/>
+            </a:xfrm>
+            <a:prstGeom prst="rect">
+              <a:avLst/>
+            </a:prstGeom>
+            <a:noFill/>
+          </p:spPr>
+          <p:txBody>
+            <a:bodyPr wrap="none" rtlCol="0">
+              <a:spAutoFit/>
+            </a:bodyPr>
+            <a:lstStyle/>
+            <a:p>
+              <a:r>
+                <a:rPr kumimoji="1" lang="en-US" altLang="zh-CN" dirty="0"/>
+                <a:t>64bits</a:t>
+              </a:r>
+            </a:p>
+            <a:p>
+              <a:r>
+                <a:rPr kumimoji="1" lang="en-US" altLang="zh-CN" dirty="0"/>
+                <a:t>Ciphertext</a:t>
+              </a:r>
+              <a:endParaRPr kumimoji="1" lang="zh-CN" altLang="en-US" dirty="0"/>
+            </a:p>
+          </p:txBody>
+        </p:sp>
+      </p:grpSp>
+    </p:spTree>
+    <p:extLst>
+      <p:ext uri="{BB962C8B-B14F-4D97-AF65-F5344CB8AC3E}">
+        <p14:creationId xmlns:p14="http://schemas.microsoft.com/office/powerpoint/2010/main" val="1988572898"/>
+      </p:ext>
+    </p:extLst>
+  </p:cSld>
+  <p:clrMapOvr>
+    <a:masterClrMapping/>
+  </p:clrMapOvr>
+</p:sld>
+</file>
+
 <file path=ppt/slides/slide3.xml><?xml version="1.0" encoding="utf-8"?>
 <p:sld xmlns:a="http://schemas.openxmlformats.org/drawingml/2006/main" xmlns:r="http://schemas.openxmlformats.org/officeDocument/2006/relationships" xmlns:p="http://schemas.openxmlformats.org/presentationml/2006/main">
   <p:cSld>
